--- a/Final Project Poster.pptx
+++ b/Final Project Poster.pptx
@@ -197,7 +197,7 @@
           <a:p>
             <a:fld id="{52F02350-536A-3B45-8F5E-47FA128C0537}" type="datetimeFigureOut">
               <a:rPr lang="en-US" smtClean="0"/>
-              <a:t>11/27/2021</a:t>
+              <a:t>11/30/2021</a:t>
             </a:fld>
             <a:endParaRPr lang="en-US"/>
           </a:p>
@@ -684,7 +684,7 @@
           <a:p>
             <a:fld id="{2101B7A0-360D-F440-BCB1-E0B29B19D7DF}" type="datetimeFigureOut">
               <a:rPr lang="en-US" smtClean="0"/>
-              <a:t>11/27/2021</a:t>
+              <a:t>11/30/2021</a:t>
             </a:fld>
             <a:endParaRPr lang="en-US"/>
           </a:p>
@@ -854,7 +854,7 @@
           <a:p>
             <a:fld id="{2101B7A0-360D-F440-BCB1-E0B29B19D7DF}" type="datetimeFigureOut">
               <a:rPr lang="en-US" smtClean="0"/>
-              <a:t>11/27/2021</a:t>
+              <a:t>11/30/2021</a:t>
             </a:fld>
             <a:endParaRPr lang="en-US"/>
           </a:p>
@@ -1034,7 +1034,7 @@
           <a:p>
             <a:fld id="{2101B7A0-360D-F440-BCB1-E0B29B19D7DF}" type="datetimeFigureOut">
               <a:rPr lang="en-US" smtClean="0"/>
-              <a:t>11/27/2021</a:t>
+              <a:t>11/30/2021</a:t>
             </a:fld>
             <a:endParaRPr lang="en-US"/>
           </a:p>
@@ -1204,7 +1204,7 @@
           <a:p>
             <a:fld id="{2101B7A0-360D-F440-BCB1-E0B29B19D7DF}" type="datetimeFigureOut">
               <a:rPr lang="en-US" smtClean="0"/>
-              <a:t>11/27/2021</a:t>
+              <a:t>11/30/2021</a:t>
             </a:fld>
             <a:endParaRPr lang="en-US"/>
           </a:p>
@@ -1448,7 +1448,7 @@
           <a:p>
             <a:fld id="{2101B7A0-360D-F440-BCB1-E0B29B19D7DF}" type="datetimeFigureOut">
               <a:rPr lang="en-US" smtClean="0"/>
-              <a:t>11/27/2021</a:t>
+              <a:t>11/30/2021</a:t>
             </a:fld>
             <a:endParaRPr lang="en-US"/>
           </a:p>
@@ -1680,7 +1680,7 @@
           <a:p>
             <a:fld id="{2101B7A0-360D-F440-BCB1-E0B29B19D7DF}" type="datetimeFigureOut">
               <a:rPr lang="en-US" smtClean="0"/>
-              <a:t>11/27/2021</a:t>
+              <a:t>11/30/2021</a:t>
             </a:fld>
             <a:endParaRPr lang="en-US"/>
           </a:p>
@@ -2047,7 +2047,7 @@
           <a:p>
             <a:fld id="{2101B7A0-360D-F440-BCB1-E0B29B19D7DF}" type="datetimeFigureOut">
               <a:rPr lang="en-US" smtClean="0"/>
-              <a:t>11/27/2021</a:t>
+              <a:t>11/30/2021</a:t>
             </a:fld>
             <a:endParaRPr lang="en-US"/>
           </a:p>
@@ -2165,7 +2165,7 @@
           <a:p>
             <a:fld id="{2101B7A0-360D-F440-BCB1-E0B29B19D7DF}" type="datetimeFigureOut">
               <a:rPr lang="en-US" smtClean="0"/>
-              <a:t>11/27/2021</a:t>
+              <a:t>11/30/2021</a:t>
             </a:fld>
             <a:endParaRPr lang="en-US"/>
           </a:p>
@@ -2260,7 +2260,7 @@
           <a:p>
             <a:fld id="{2101B7A0-360D-F440-BCB1-E0B29B19D7DF}" type="datetimeFigureOut">
               <a:rPr lang="en-US" smtClean="0"/>
-              <a:t>11/27/2021</a:t>
+              <a:t>11/30/2021</a:t>
             </a:fld>
             <a:endParaRPr lang="en-US"/>
           </a:p>
@@ -2537,7 +2537,7 @@
           <a:p>
             <a:fld id="{2101B7A0-360D-F440-BCB1-E0B29B19D7DF}" type="datetimeFigureOut">
               <a:rPr lang="en-US" smtClean="0"/>
-              <a:t>11/27/2021</a:t>
+              <a:t>11/30/2021</a:t>
             </a:fld>
             <a:endParaRPr lang="en-US"/>
           </a:p>
@@ -2794,7 +2794,7 @@
           <a:p>
             <a:fld id="{2101B7A0-360D-F440-BCB1-E0B29B19D7DF}" type="datetimeFigureOut">
               <a:rPr lang="en-US" smtClean="0"/>
-              <a:t>11/27/2021</a:t>
+              <a:t>11/30/2021</a:t>
             </a:fld>
             <a:endParaRPr lang="en-US"/>
           </a:p>
@@ -3007,7 +3007,7 @@
           <a:p>
             <a:fld id="{2101B7A0-360D-F440-BCB1-E0B29B19D7DF}" type="datetimeFigureOut">
               <a:rPr lang="en-US" smtClean="0"/>
-              <a:t>11/27/2021</a:t>
+              <a:t>11/30/2021</a:t>
             </a:fld>
             <a:endParaRPr lang="en-US"/>
           </a:p>
@@ -3486,7 +3486,7 @@
           <a:p>
             <a:pPr algn="ctr"/>
             <a:r>
-              <a:rPr lang="en-US" sz="3200">
+              <a:rPr lang="en-US" sz="3200" dirty="0">
                 <a:latin typeface="Times New Roman"/>
                 <a:cs typeface="Times New Roman"/>
               </a:rPr>
@@ -3943,7 +3943,7 @@
         </p:nvSpPr>
         <p:spPr>
           <a:xfrm>
-            <a:off x="8293809" y="4018595"/>
+            <a:off x="7796086" y="4018595"/>
             <a:ext cx="5439028" cy="584775"/>
           </a:xfrm>
           <a:prstGeom prst="rect">
@@ -3957,6 +3957,7 @@
           </a:bodyPr>
           <a:lstStyle/>
           <a:p>
+            <a:pPr algn="ctr"/>
             <a:r>
               <a:rPr lang="en-US" sz="3200" b="1" dirty="0">
                 <a:latin typeface="Source Sans Pro" charset="0"/>
